--- a/이전스터디내용/[180102]AddressingS.pptx
+++ b/이전스터디내용/[180102]AddressingS.pptx
@@ -162,10 +162,6 @@
     </p:ext>
   </p:extLst>
 </p:presentation>
-</file>
-
-<file path=ppt/revisionInfo.xml><?xml version="1.0" encoding="utf-8"?>
-<p1510:revInfo xmlns:a="http://schemas.openxmlformats.org/drawingml/2006/main" xmlns:r="http://schemas.openxmlformats.org/officeDocument/2006/relationships" xmlns:p1510="http://schemas.microsoft.com/office/powerpoint/2015/10/main"/>
 </file>
 
 <file path=ppt/handoutMasters/handoutMaster1.xml><?xml version="1.0" encoding="utf-8"?>
@@ -12648,7 +12644,15 @@
             </a:r>
             <a:r>
               <a:rPr lang="en-US" altLang="ko-KR" dirty="0"/>
-              <a:t> :executed DRAM latency( </a:t>
+              <a:t> :</a:t>
+            </a:r>
+            <a:r>
+              <a:rPr lang="en-US" altLang="ko-KR"/>
+              <a:t>executed PM </a:t>
+            </a:r>
+            <a:r>
+              <a:rPr lang="en-US" altLang="ko-KR" dirty="0"/>
+              <a:t>latency( </a:t>
             </a:r>
             <a:r>
               <a:rPr lang="ko-KR" altLang="en-US" dirty="0"/>
